--- a/Java 相關/Java Class 簡介.pptx
+++ b/Java 相關/Java Class 簡介.pptx
@@ -12,6 +12,8 @@
     <p:sldId id="262" r:id="rId6"/>
     <p:sldId id="263" r:id="rId7"/>
     <p:sldId id="264" r:id="rId8"/>
+    <p:sldId id="265" r:id="rId9"/>
+    <p:sldId id="266" r:id="rId10"/>
   </p:sldIdLst>
   <p:sldSz cx="12192000" cy="6858000"/>
   <p:notesSz cx="6858000" cy="9144000"/>
@@ -110,6 +112,11 @@
       </a:defRPr>
     </a:lvl9pPr>
   </p:defaultTextStyle>
+  <p:extLst>
+    <p:ext uri="{EFAFB233-063F-42B5-8137-9DF3F51BA10A}">
+      <p15:sldGuideLst xmlns:p15="http://schemas.microsoft.com/office/powerpoint/2012/main"/>
+    </p:ext>
+  </p:extLst>
 </p:presentation>
 </file>
 
@@ -339,7 +346,7 @@
           <a:p>
             <a:fld id="{86DCBE21-16E4-426A-8B08-3239C12345B4}" type="datetimeFigureOut">
               <a:rPr lang="zh-TW" altLang="en-US" smtClean="0"/>
-              <a:t>2023/10/29</a:t>
+              <a:t>2023/10/30</a:t>
             </a:fld>
             <a:endParaRPr lang="zh-TW" altLang="en-US"/>
           </a:p>
@@ -547,7 +554,7 @@
           <a:p>
             <a:fld id="{86DCBE21-16E4-426A-8B08-3239C12345B4}" type="datetimeFigureOut">
               <a:rPr lang="zh-TW" altLang="en-US" smtClean="0"/>
-              <a:t>2023/10/29</a:t>
+              <a:t>2023/10/30</a:t>
             </a:fld>
             <a:endParaRPr lang="zh-TW" altLang="en-US"/>
           </a:p>
@@ -803,7 +810,7 @@
           <a:p>
             <a:fld id="{86DCBE21-16E4-426A-8B08-3239C12345B4}" type="datetimeFigureOut">
               <a:rPr lang="zh-TW" altLang="en-US" smtClean="0"/>
-              <a:t>2023/10/29</a:t>
+              <a:t>2023/10/30</a:t>
             </a:fld>
             <a:endParaRPr lang="zh-TW" altLang="en-US"/>
           </a:p>
@@ -977,7 +984,7 @@
           <a:p>
             <a:fld id="{86DCBE21-16E4-426A-8B08-3239C12345B4}" type="datetimeFigureOut">
               <a:rPr lang="zh-TW" altLang="en-US" smtClean="0"/>
-              <a:t>2023/10/29</a:t>
+              <a:t>2023/10/30</a:t>
             </a:fld>
             <a:endParaRPr lang="zh-TW" altLang="en-US"/>
           </a:p>
@@ -1320,7 +1327,7 @@
           <a:p>
             <a:fld id="{86DCBE21-16E4-426A-8B08-3239C12345B4}" type="datetimeFigureOut">
               <a:rPr lang="zh-TW" altLang="en-US" smtClean="0"/>
-              <a:t>2023/10/29</a:t>
+              <a:t>2023/10/30</a:t>
             </a:fld>
             <a:endParaRPr lang="zh-TW" altLang="en-US"/>
           </a:p>
@@ -1595,7 +1602,7 @@
           <a:p>
             <a:fld id="{86DCBE21-16E4-426A-8B08-3239C12345B4}" type="datetimeFigureOut">
               <a:rPr lang="zh-TW" altLang="en-US" smtClean="0"/>
-              <a:t>2023/10/29</a:t>
+              <a:t>2023/10/30</a:t>
             </a:fld>
             <a:endParaRPr lang="zh-TW" altLang="en-US"/>
           </a:p>
@@ -1974,7 +1981,7 @@
           <a:p>
             <a:fld id="{86DCBE21-16E4-426A-8B08-3239C12345B4}" type="datetimeFigureOut">
               <a:rPr lang="zh-TW" altLang="en-US" smtClean="0"/>
-              <a:t>2023/10/29</a:t>
+              <a:t>2023/10/30</a:t>
             </a:fld>
             <a:endParaRPr lang="zh-TW" altLang="en-US"/>
           </a:p>
@@ -2092,7 +2099,7 @@
           <a:p>
             <a:fld id="{86DCBE21-16E4-426A-8B08-3239C12345B4}" type="datetimeFigureOut">
               <a:rPr lang="zh-TW" altLang="en-US" smtClean="0"/>
-              <a:t>2023/10/29</a:t>
+              <a:t>2023/10/30</a:t>
             </a:fld>
             <a:endParaRPr lang="zh-TW" altLang="en-US"/>
           </a:p>
@@ -2263,7 +2270,7 @@
           <a:p>
             <a:fld id="{86DCBE21-16E4-426A-8B08-3239C12345B4}" type="datetimeFigureOut">
               <a:rPr lang="zh-TW" altLang="en-US" smtClean="0"/>
-              <a:t>2023/10/29</a:t>
+              <a:t>2023/10/30</a:t>
             </a:fld>
             <a:endParaRPr lang="zh-TW" altLang="en-US"/>
           </a:p>
@@ -2617,7 +2624,7 @@
           <a:p>
             <a:fld id="{86DCBE21-16E4-426A-8B08-3239C12345B4}" type="datetimeFigureOut">
               <a:rPr lang="zh-TW" altLang="en-US" smtClean="0"/>
-              <a:t>2023/10/29</a:t>
+              <a:t>2023/10/30</a:t>
             </a:fld>
             <a:endParaRPr lang="zh-TW" altLang="en-US"/>
           </a:p>
@@ -2999,7 +3006,7 @@
           <a:p>
             <a:fld id="{86DCBE21-16E4-426A-8B08-3239C12345B4}" type="datetimeFigureOut">
               <a:rPr lang="zh-TW" altLang="en-US" smtClean="0"/>
-              <a:t>2023/10/29</a:t>
+              <a:t>2023/10/30</a:t>
             </a:fld>
             <a:endParaRPr lang="zh-TW" altLang="en-US"/>
           </a:p>
@@ -3286,7 +3293,7 @@
           <a:p>
             <a:fld id="{86DCBE21-16E4-426A-8B08-3239C12345B4}" type="datetimeFigureOut">
               <a:rPr lang="zh-TW" altLang="en-US" smtClean="0"/>
-              <a:t>2023/10/29</a:t>
+              <a:t>2023/10/30</a:t>
             </a:fld>
             <a:endParaRPr lang="zh-TW" altLang="en-US"/>
           </a:p>
@@ -4429,7 +4436,7 @@
                 <a:latin typeface="微軟正黑體" panose="020B0604030504040204" pitchFamily="34" charset="-120"/>
                 <a:ea typeface="微軟正黑體" panose="020B0604030504040204" pitchFamily="34" charset="-120"/>
               </a:rPr>
-              <a:t>成員屬性</a:t>
+              <a:t>物件屬性</a:t>
             </a:r>
             <a:r>
               <a:rPr lang="zh-TW" altLang="en-US" sz="1400" dirty="0">
@@ -4751,25 +4758,28 @@
                 <a:latin typeface="微軟正黑體" panose="020B0604030504040204" pitchFamily="34" charset="-120"/>
                 <a:ea typeface="微軟正黑體" panose="020B0604030504040204" pitchFamily="34" charset="-120"/>
               </a:rPr>
-              <a:t>屬性</a:t>
-            </a:r>
-            <a:r>
-              <a:rPr lang="en-US" altLang="zh-TW" sz="1200" b="1" dirty="0">
-                <a:solidFill>
-                  <a:srgbClr val="FF0000"/>
-                </a:solidFill>
-                <a:latin typeface="微軟正黑體" panose="020B0604030504040204" pitchFamily="34" charset="-120"/>
-                <a:ea typeface="微軟正黑體" panose="020B0604030504040204" pitchFamily="34" charset="-120"/>
-              </a:rPr>
-              <a:t>(field)</a:t>
-            </a:r>
-            <a:endParaRPr lang="zh-TW" altLang="en-US" sz="1200" b="1" dirty="0">
+              <a:t>物件</a:t>
+            </a:r>
+            <a:endParaRPr lang="en-US" altLang="zh-TW" sz="1200" b="1" dirty="0">
               <a:solidFill>
                 <a:srgbClr val="FF0000"/>
               </a:solidFill>
               <a:latin typeface="微軟正黑體" panose="020B0604030504040204" pitchFamily="34" charset="-120"/>
               <a:ea typeface="微軟正黑體" panose="020B0604030504040204" pitchFamily="34" charset="-120"/>
             </a:endParaRPr>
+          </a:p>
+          <a:p>
+            <a:pPr algn="ctr"/>
+            <a:r>
+              <a:rPr lang="zh-TW" altLang="en-US" sz="1200" b="1" dirty="0">
+                <a:solidFill>
+                  <a:srgbClr val="FF0000"/>
+                </a:solidFill>
+                <a:latin typeface="微軟正黑體" panose="020B0604030504040204" pitchFamily="34" charset="-120"/>
+                <a:ea typeface="微軟正黑體" panose="020B0604030504040204" pitchFamily="34" charset="-120"/>
+              </a:rPr>
+              <a:t>屬性</a:t>
+            </a:r>
           </a:p>
         </p:txBody>
       </p:sp>
@@ -10230,6 +10240,1372 @@
     <p:extLst>
       <p:ext uri="{BB962C8B-B14F-4D97-AF65-F5344CB8AC3E}">
         <p14:creationId xmlns:p14="http://schemas.microsoft.com/office/powerpoint/2010/main" val="1952029860"/>
+      </p:ext>
+    </p:extLst>
+  </p:cSld>
+  <p:clrMapOvr>
+    <a:masterClrMapping/>
+  </p:clrMapOvr>
+</p:sld>
+</file>
+
+<file path=ppt/slides/slide8.xml><?xml version="1.0" encoding="utf-8"?>
+<p:sld xmlns:a="http://schemas.openxmlformats.org/drawingml/2006/main" xmlns:r="http://schemas.openxmlformats.org/officeDocument/2006/relationships" xmlns:p="http://schemas.openxmlformats.org/presentationml/2006/main">
+  <p:cSld>
+    <p:spTree>
+      <p:nvGrpSpPr>
+        <p:cNvPr id="1" name=""/>
+        <p:cNvGrpSpPr/>
+        <p:nvPr/>
+      </p:nvGrpSpPr>
+      <p:grpSpPr>
+        <a:xfrm>
+          <a:off x="0" y="0"/>
+          <a:ext cx="0" cy="0"/>
+          <a:chOff x="0" y="0"/>
+          <a:chExt cx="0" cy="0"/>
+        </a:xfrm>
+      </p:grpSpPr>
+      <p:sp>
+        <p:nvSpPr>
+          <p:cNvPr id="2" name="標題 1">
+            <a:extLst>
+              <a:ext uri="{FF2B5EF4-FFF2-40B4-BE49-F238E27FC236}">
+                <a16:creationId xmlns:a16="http://schemas.microsoft.com/office/drawing/2014/main" id="{CD8B3F58-45A7-8DE8-5668-C551B255D84C}"/>
+              </a:ext>
+            </a:extLst>
+          </p:cNvPr>
+          <p:cNvSpPr txBox="1">
+            <a:spLocks/>
+          </p:cNvSpPr>
+          <p:nvPr/>
+        </p:nvSpPr>
+        <p:spPr>
+          <a:xfrm>
+            <a:off x="609602" y="179295"/>
+            <a:ext cx="4831974" cy="863973"/>
+          </a:xfrm>
+          <a:prstGeom prst="rect">
+            <a:avLst/>
+          </a:prstGeom>
+        </p:spPr>
+        <p:txBody>
+          <a:bodyPr vert="horz" lIns="91440" tIns="45720" rIns="91440" bIns="45720" rtlCol="0" anchor="b">
+            <a:normAutofit fontScale="92500"/>
+          </a:bodyPr>
+          <a:lstStyle>
+            <a:lvl1pPr algn="l" defTabSz="914400" rtl="0" eaLnBrk="1" latinLnBrk="0" hangingPunct="1">
+              <a:lnSpc>
+                <a:spcPct val="85000"/>
+              </a:lnSpc>
+              <a:spcBef>
+                <a:spcPct val="0"/>
+              </a:spcBef>
+              <a:buNone/>
+              <a:defRPr sz="4800" kern="1200" spc="-50" baseline="0">
+                <a:solidFill>
+                  <a:schemeClr val="tx1">
+                    <a:lumMod val="75000"/>
+                    <a:lumOff val="25000"/>
+                  </a:schemeClr>
+                </a:solidFill>
+                <a:latin typeface="+mj-lt"/>
+                <a:ea typeface="+mj-ea"/>
+                <a:cs typeface="+mj-cs"/>
+              </a:defRPr>
+            </a:lvl1pPr>
+          </a:lstStyle>
+          <a:p>
+            <a:r>
+              <a:rPr lang="zh-TW" altLang="en-US" sz="3600" dirty="0">
+                <a:latin typeface="微軟正黑體" panose="020B0604030504040204" pitchFamily="34" charset="-120"/>
+                <a:ea typeface="微軟正黑體" panose="020B0604030504040204" pitchFamily="34" charset="-120"/>
+              </a:rPr>
+              <a:t>類別成員屬性、類別方法</a:t>
+            </a:r>
+          </a:p>
+        </p:txBody>
+      </p:sp>
+      <p:pic>
+        <p:nvPicPr>
+          <p:cNvPr id="4" name="圖片 3">
+            <a:extLst>
+              <a:ext uri="{FF2B5EF4-FFF2-40B4-BE49-F238E27FC236}">
+                <a16:creationId xmlns:a16="http://schemas.microsoft.com/office/drawing/2014/main" id="{EB5294A6-252B-9FB3-9EC2-D5D770B7D426}"/>
+              </a:ext>
+            </a:extLst>
+          </p:cNvPr>
+          <p:cNvPicPr>
+            <a:picLocks noChangeAspect="1"/>
+          </p:cNvPicPr>
+          <p:nvPr/>
+        </p:nvPicPr>
+        <p:blipFill>
+          <a:blip r:embed="rId2"/>
+          <a:stretch>
+            <a:fillRect/>
+          </a:stretch>
+        </p:blipFill>
+        <p:spPr>
+          <a:xfrm>
+            <a:off x="466166" y="1611867"/>
+            <a:ext cx="5271211" cy="3634265"/>
+          </a:xfrm>
+          <a:prstGeom prst="rect">
+            <a:avLst/>
+          </a:prstGeom>
+        </p:spPr>
+      </p:pic>
+      <p:sp>
+        <p:nvSpPr>
+          <p:cNvPr id="5" name="文字方塊 4">
+            <a:extLst>
+              <a:ext uri="{FF2B5EF4-FFF2-40B4-BE49-F238E27FC236}">
+                <a16:creationId xmlns:a16="http://schemas.microsoft.com/office/drawing/2014/main" id="{E78088BE-46DF-A50E-D18F-BA5EC70B617B}"/>
+              </a:ext>
+            </a:extLst>
+          </p:cNvPr>
+          <p:cNvSpPr txBox="1"/>
+          <p:nvPr/>
+        </p:nvSpPr>
+        <p:spPr>
+          <a:xfrm>
+            <a:off x="6096000" y="1611867"/>
+            <a:ext cx="6051177" cy="738664"/>
+          </a:xfrm>
+          <a:prstGeom prst="rect">
+            <a:avLst/>
+          </a:prstGeom>
+          <a:solidFill>
+            <a:schemeClr val="accent5">
+              <a:lumMod val="20000"/>
+              <a:lumOff val="80000"/>
+            </a:schemeClr>
+          </a:solidFill>
+        </p:spPr>
+        <p:txBody>
+          <a:bodyPr wrap="square" rtlCol="0">
+            <a:spAutoFit/>
+          </a:bodyPr>
+          <a:lstStyle/>
+          <a:p>
+            <a:r>
+              <a:rPr lang="zh-TW" altLang="en-US" sz="1400" dirty="0">
+                <a:latin typeface="微軟正黑體" panose="020B0604030504040204" pitchFamily="34" charset="-120"/>
+                <a:ea typeface="微軟正黑體" panose="020B0604030504040204" pitchFamily="34" charset="-120"/>
+              </a:rPr>
+              <a:t>重點：</a:t>
+            </a:r>
+            <a:endParaRPr lang="en-US" altLang="zh-TW" sz="1400" dirty="0">
+              <a:latin typeface="微軟正黑體" panose="020B0604030504040204" pitchFamily="34" charset="-120"/>
+              <a:ea typeface="微軟正黑體" panose="020B0604030504040204" pitchFamily="34" charset="-120"/>
+            </a:endParaRPr>
+          </a:p>
+          <a:p>
+            <a:pPr marL="342900" indent="-342900">
+              <a:buAutoNum type="arabicPeriod"/>
+            </a:pPr>
+            <a:r>
+              <a:rPr lang="zh-TW" altLang="en-US" sz="1400" dirty="0">
+                <a:latin typeface="微軟正黑體" panose="020B0604030504040204" pitchFamily="34" charset="-120"/>
+                <a:ea typeface="微軟正黑體" panose="020B0604030504040204" pitchFamily="34" charset="-120"/>
+              </a:rPr>
+              <a:t>注意 </a:t>
+            </a:r>
+            <a:r>
+              <a:rPr lang="en-US" altLang="zh-TW" sz="1400" dirty="0">
+                <a:latin typeface="微軟正黑體" panose="020B0604030504040204" pitchFamily="34" charset="-120"/>
+                <a:ea typeface="微軟正黑體" panose="020B0604030504040204" pitchFamily="34" charset="-120"/>
+              </a:rPr>
+              <a:t>static </a:t>
+            </a:r>
+            <a:r>
+              <a:rPr lang="zh-TW" altLang="en-US" sz="1400" dirty="0">
+                <a:latin typeface="微軟正黑體" panose="020B0604030504040204" pitchFamily="34" charset="-120"/>
+                <a:ea typeface="微軟正黑體" panose="020B0604030504040204" pitchFamily="34" charset="-120"/>
+              </a:rPr>
+              <a:t>可以放置的位置：成員變數、方法、</a:t>
+            </a:r>
+            <a:r>
+              <a:rPr lang="en-US" altLang="zh-TW" sz="1400" dirty="0">
+                <a:latin typeface="微軟正黑體" panose="020B0604030504040204" pitchFamily="34" charset="-120"/>
+                <a:ea typeface="微軟正黑體" panose="020B0604030504040204" pitchFamily="34" charset="-120"/>
+              </a:rPr>
+              <a:t>block </a:t>
+            </a:r>
+            <a:r>
+              <a:rPr lang="zh-TW" altLang="en-US" sz="1400" dirty="0">
+                <a:latin typeface="微軟正黑體" panose="020B0604030504040204" pitchFamily="34" charset="-120"/>
+                <a:ea typeface="微軟正黑體" panose="020B0604030504040204" pitchFamily="34" charset="-120"/>
+              </a:rPr>
+              <a:t>區塊。</a:t>
+            </a:r>
+            <a:endParaRPr lang="en-US" altLang="zh-TW" sz="1400" dirty="0">
+              <a:latin typeface="微軟正黑體" panose="020B0604030504040204" pitchFamily="34" charset="-120"/>
+              <a:ea typeface="微軟正黑體" panose="020B0604030504040204" pitchFamily="34" charset="-120"/>
+            </a:endParaRPr>
+          </a:p>
+          <a:p>
+            <a:pPr marL="342900" indent="-342900">
+              <a:buAutoNum type="arabicPeriod"/>
+            </a:pPr>
+            <a:r>
+              <a:rPr lang="zh-TW" altLang="en-US" sz="1400" dirty="0">
+                <a:latin typeface="微軟正黑體" panose="020B0604030504040204" pitchFamily="34" charset="-120"/>
+                <a:ea typeface="微軟正黑體" panose="020B0604030504040204" pitchFamily="34" charset="-120"/>
+              </a:rPr>
+              <a:t>如果該物件的變數或方法可以「共用」，則會使用 </a:t>
+            </a:r>
+            <a:r>
+              <a:rPr lang="en-US" altLang="zh-TW" sz="1400" dirty="0">
+                <a:latin typeface="微軟正黑體" panose="020B0604030504040204" pitchFamily="34" charset="-120"/>
+                <a:ea typeface="微軟正黑體" panose="020B0604030504040204" pitchFamily="34" charset="-120"/>
+              </a:rPr>
+              <a:t>static</a:t>
+            </a:r>
+            <a:r>
+              <a:rPr lang="zh-TW" altLang="en-US" sz="1400" dirty="0">
+                <a:latin typeface="微軟正黑體" panose="020B0604030504040204" pitchFamily="34" charset="-120"/>
+                <a:ea typeface="微軟正黑體" panose="020B0604030504040204" pitchFamily="34" charset="-120"/>
+              </a:rPr>
+              <a:t>。</a:t>
+            </a:r>
+            <a:endParaRPr lang="en-US" altLang="zh-TW" sz="1400" dirty="0">
+              <a:latin typeface="微軟正黑體" panose="020B0604030504040204" pitchFamily="34" charset="-120"/>
+              <a:ea typeface="微軟正黑體" panose="020B0604030504040204" pitchFamily="34" charset="-120"/>
+            </a:endParaRPr>
+          </a:p>
+        </p:txBody>
+      </p:sp>
+      <p:sp>
+        <p:nvSpPr>
+          <p:cNvPr id="6" name="文字方塊 5">
+            <a:extLst>
+              <a:ext uri="{FF2B5EF4-FFF2-40B4-BE49-F238E27FC236}">
+                <a16:creationId xmlns:a16="http://schemas.microsoft.com/office/drawing/2014/main" id="{F2A2CD83-BC9B-8145-CE10-315A3BC365AB}"/>
+              </a:ext>
+            </a:extLst>
+          </p:cNvPr>
+          <p:cNvSpPr txBox="1"/>
+          <p:nvPr/>
+        </p:nvSpPr>
+        <p:spPr>
+          <a:xfrm>
+            <a:off x="2" y="1981200"/>
+            <a:ext cx="564779" cy="461665"/>
+          </a:xfrm>
+          <a:prstGeom prst="rect">
+            <a:avLst/>
+          </a:prstGeom>
+          <a:noFill/>
+        </p:spPr>
+        <p:txBody>
+          <a:bodyPr wrap="square" rtlCol="0">
+            <a:spAutoFit/>
+          </a:bodyPr>
+          <a:lstStyle/>
+          <a:p>
+            <a:pPr algn="ctr"/>
+            <a:r>
+              <a:rPr lang="zh-TW" altLang="en-US" sz="1200" b="1" dirty="0">
+                <a:solidFill>
+                  <a:srgbClr val="FF0000"/>
+                </a:solidFill>
+                <a:latin typeface="微軟正黑體" panose="020B0604030504040204" pitchFamily="34" charset="-120"/>
+                <a:ea typeface="微軟正黑體" panose="020B0604030504040204" pitchFamily="34" charset="-120"/>
+              </a:rPr>
+              <a:t>類別屬性</a:t>
+            </a:r>
+          </a:p>
+        </p:txBody>
+      </p:sp>
+      <p:sp>
+        <p:nvSpPr>
+          <p:cNvPr id="7" name="文字方塊 6">
+            <a:extLst>
+              <a:ext uri="{FF2B5EF4-FFF2-40B4-BE49-F238E27FC236}">
+                <a16:creationId xmlns:a16="http://schemas.microsoft.com/office/drawing/2014/main" id="{5346D3EE-8E84-F2E0-B3BA-D13A43BC1551}"/>
+              </a:ext>
+            </a:extLst>
+          </p:cNvPr>
+          <p:cNvSpPr txBox="1"/>
+          <p:nvPr/>
+        </p:nvSpPr>
+        <p:spPr>
+          <a:xfrm>
+            <a:off x="-35859" y="2442865"/>
+            <a:ext cx="645461" cy="461665"/>
+          </a:xfrm>
+          <a:prstGeom prst="rect">
+            <a:avLst/>
+          </a:prstGeom>
+          <a:noFill/>
+        </p:spPr>
+        <p:txBody>
+          <a:bodyPr wrap="square" rtlCol="0">
+            <a:spAutoFit/>
+          </a:bodyPr>
+          <a:lstStyle/>
+          <a:p>
+            <a:pPr algn="ctr"/>
+            <a:r>
+              <a:rPr lang="zh-TW" altLang="en-US" sz="1200" b="1" dirty="0">
+                <a:solidFill>
+                  <a:srgbClr val="FF0000"/>
+                </a:solidFill>
+                <a:latin typeface="微軟正黑體" panose="020B0604030504040204" pitchFamily="34" charset="-120"/>
+                <a:ea typeface="微軟正黑體" panose="020B0604030504040204" pitchFamily="34" charset="-120"/>
+              </a:rPr>
+              <a:t>類別</a:t>
+            </a:r>
+            <a:endParaRPr lang="en-US" altLang="zh-TW" sz="1200" b="1" dirty="0">
+              <a:solidFill>
+                <a:srgbClr val="FF0000"/>
+              </a:solidFill>
+              <a:latin typeface="微軟正黑體" panose="020B0604030504040204" pitchFamily="34" charset="-120"/>
+              <a:ea typeface="微軟正黑體" panose="020B0604030504040204" pitchFamily="34" charset="-120"/>
+            </a:endParaRPr>
+          </a:p>
+          <a:p>
+            <a:pPr algn="ctr"/>
+            <a:r>
+              <a:rPr lang="zh-TW" altLang="en-US" sz="1200" b="1" dirty="0">
+                <a:solidFill>
+                  <a:srgbClr val="FF0000"/>
+                </a:solidFill>
+                <a:latin typeface="微軟正黑體" panose="020B0604030504040204" pitchFamily="34" charset="-120"/>
+                <a:ea typeface="微軟正黑體" panose="020B0604030504040204" pitchFamily="34" charset="-120"/>
+              </a:rPr>
+              <a:t>初始化</a:t>
+            </a:r>
+          </a:p>
+        </p:txBody>
+      </p:sp>
+      <p:sp>
+        <p:nvSpPr>
+          <p:cNvPr id="8" name="左大括弧 7">
+            <a:extLst>
+              <a:ext uri="{FF2B5EF4-FFF2-40B4-BE49-F238E27FC236}">
+                <a16:creationId xmlns:a16="http://schemas.microsoft.com/office/drawing/2014/main" id="{0C8D969D-5C3E-6F62-2346-3B2F63A36AA9}"/>
+              </a:ext>
+            </a:extLst>
+          </p:cNvPr>
+          <p:cNvSpPr/>
+          <p:nvPr/>
+        </p:nvSpPr>
+        <p:spPr>
+          <a:xfrm>
+            <a:off x="672354" y="2983008"/>
+            <a:ext cx="224117" cy="441509"/>
+          </a:xfrm>
+          <a:prstGeom prst="leftBrace">
+            <a:avLst/>
+          </a:prstGeom>
+          <a:ln>
+            <a:solidFill>
+              <a:srgbClr val="0070C0"/>
+            </a:solidFill>
+          </a:ln>
+        </p:spPr>
+        <p:style>
+          <a:lnRef idx="1">
+            <a:schemeClr val="accent1"/>
+          </a:lnRef>
+          <a:fillRef idx="0">
+            <a:schemeClr val="accent1"/>
+          </a:fillRef>
+          <a:effectRef idx="0">
+            <a:schemeClr val="accent1"/>
+          </a:effectRef>
+          <a:fontRef idx="minor">
+            <a:schemeClr val="tx1"/>
+          </a:fontRef>
+        </p:style>
+        <p:txBody>
+          <a:bodyPr rtlCol="0" anchor="ctr"/>
+          <a:lstStyle/>
+          <a:p>
+            <a:pPr algn="ctr"/>
+            <a:endParaRPr lang="zh-TW" altLang="en-US"/>
+          </a:p>
+        </p:txBody>
+      </p:sp>
+      <p:sp>
+        <p:nvSpPr>
+          <p:cNvPr id="9" name="文字方塊 8">
+            <a:extLst>
+              <a:ext uri="{FF2B5EF4-FFF2-40B4-BE49-F238E27FC236}">
+                <a16:creationId xmlns:a16="http://schemas.microsoft.com/office/drawing/2014/main" id="{F2F4C37C-DAE9-A915-FBB0-731F55DC1244}"/>
+              </a:ext>
+            </a:extLst>
+          </p:cNvPr>
+          <p:cNvSpPr txBox="1"/>
+          <p:nvPr/>
+        </p:nvSpPr>
+        <p:spPr>
+          <a:xfrm>
+            <a:off x="-62750" y="2983008"/>
+            <a:ext cx="690282" cy="461665"/>
+          </a:xfrm>
+          <a:prstGeom prst="rect">
+            <a:avLst/>
+          </a:prstGeom>
+          <a:noFill/>
+        </p:spPr>
+        <p:txBody>
+          <a:bodyPr wrap="square" rtlCol="0">
+            <a:spAutoFit/>
+          </a:bodyPr>
+          <a:lstStyle/>
+          <a:p>
+            <a:pPr algn="ctr"/>
+            <a:r>
+              <a:rPr lang="zh-TW" altLang="en-US" sz="1200" b="1" dirty="0">
+                <a:solidFill>
+                  <a:srgbClr val="FF0000"/>
+                </a:solidFill>
+                <a:latin typeface="微軟正黑體" panose="020B0604030504040204" pitchFamily="34" charset="-120"/>
+                <a:ea typeface="微軟正黑體" panose="020B0604030504040204" pitchFamily="34" charset="-120"/>
+              </a:rPr>
+              <a:t>類別</a:t>
+            </a:r>
+            <a:endParaRPr lang="en-US" altLang="zh-TW" sz="1200" b="1" dirty="0">
+              <a:solidFill>
+                <a:srgbClr val="FF0000"/>
+              </a:solidFill>
+              <a:latin typeface="微軟正黑體" panose="020B0604030504040204" pitchFamily="34" charset="-120"/>
+              <a:ea typeface="微軟正黑體" panose="020B0604030504040204" pitchFamily="34" charset="-120"/>
+            </a:endParaRPr>
+          </a:p>
+          <a:p>
+            <a:pPr algn="ctr"/>
+            <a:r>
+              <a:rPr lang="zh-TW" altLang="en-US" sz="1200" b="1" dirty="0">
+                <a:solidFill>
+                  <a:srgbClr val="FF0000"/>
+                </a:solidFill>
+                <a:latin typeface="微軟正黑體" panose="020B0604030504040204" pitchFamily="34" charset="-120"/>
+                <a:ea typeface="微軟正黑體" panose="020B0604030504040204" pitchFamily="34" charset="-120"/>
+              </a:rPr>
+              <a:t>方法</a:t>
+            </a:r>
+          </a:p>
+        </p:txBody>
+      </p:sp>
+      <p:sp>
+        <p:nvSpPr>
+          <p:cNvPr id="10" name="文字方塊 9">
+            <a:extLst>
+              <a:ext uri="{FF2B5EF4-FFF2-40B4-BE49-F238E27FC236}">
+                <a16:creationId xmlns:a16="http://schemas.microsoft.com/office/drawing/2014/main" id="{EF669644-BDBB-3AE3-AD92-82C31AA5C23C}"/>
+              </a:ext>
+            </a:extLst>
+          </p:cNvPr>
+          <p:cNvSpPr txBox="1"/>
+          <p:nvPr/>
+        </p:nvSpPr>
+        <p:spPr>
+          <a:xfrm>
+            <a:off x="47070" y="4017083"/>
+            <a:ext cx="562532" cy="461665"/>
+          </a:xfrm>
+          <a:prstGeom prst="rect">
+            <a:avLst/>
+          </a:prstGeom>
+          <a:noFill/>
+        </p:spPr>
+        <p:txBody>
+          <a:bodyPr wrap="square" rtlCol="0">
+            <a:spAutoFit/>
+          </a:bodyPr>
+          <a:lstStyle/>
+          <a:p>
+            <a:pPr algn="ctr"/>
+            <a:r>
+              <a:rPr lang="en-US" altLang="zh-TW" sz="1200" b="1" dirty="0">
+                <a:solidFill>
+                  <a:srgbClr val="FF0000"/>
+                </a:solidFill>
+                <a:latin typeface="微軟正黑體" panose="020B0604030504040204" pitchFamily="34" charset="-120"/>
+                <a:ea typeface="微軟正黑體" panose="020B0604030504040204" pitchFamily="34" charset="-120"/>
+              </a:rPr>
+              <a:t>main</a:t>
+            </a:r>
+            <a:r>
+              <a:rPr lang="zh-TW" altLang="en-US" sz="1200" b="1" dirty="0">
+                <a:solidFill>
+                  <a:srgbClr val="FF0000"/>
+                </a:solidFill>
+                <a:latin typeface="微軟正黑體" panose="020B0604030504040204" pitchFamily="34" charset="-120"/>
+                <a:ea typeface="微軟正黑體" panose="020B0604030504040204" pitchFamily="34" charset="-120"/>
+              </a:rPr>
+              <a:t>方法</a:t>
+            </a:r>
+          </a:p>
+        </p:txBody>
+      </p:sp>
+      <p:sp>
+        <p:nvSpPr>
+          <p:cNvPr id="11" name="矩形 10">
+            <a:extLst>
+              <a:ext uri="{FF2B5EF4-FFF2-40B4-BE49-F238E27FC236}">
+                <a16:creationId xmlns:a16="http://schemas.microsoft.com/office/drawing/2014/main" id="{C2C3A1CD-5BAC-C387-76C2-06F8AAEA9AF0}"/>
+              </a:ext>
+            </a:extLst>
+          </p:cNvPr>
+          <p:cNvSpPr/>
+          <p:nvPr/>
+        </p:nvSpPr>
+        <p:spPr>
+          <a:xfrm>
+            <a:off x="896471" y="2867019"/>
+            <a:ext cx="4428564" cy="419080"/>
+          </a:xfrm>
+          <a:prstGeom prst="rect">
+            <a:avLst/>
+          </a:prstGeom>
+          <a:noFill/>
+          <a:ln w="28575">
+            <a:solidFill>
+              <a:srgbClr val="FF0000"/>
+            </a:solidFill>
+          </a:ln>
+        </p:spPr>
+        <p:style>
+          <a:lnRef idx="2">
+            <a:schemeClr val="accent1">
+              <a:shade val="15000"/>
+            </a:schemeClr>
+          </a:lnRef>
+          <a:fillRef idx="1">
+            <a:schemeClr val="accent1"/>
+          </a:fillRef>
+          <a:effectRef idx="0">
+            <a:schemeClr val="accent1"/>
+          </a:effectRef>
+          <a:fontRef idx="minor">
+            <a:schemeClr val="lt1"/>
+          </a:fontRef>
+        </p:style>
+        <p:txBody>
+          <a:bodyPr rtlCol="0" anchor="ctr"/>
+          <a:lstStyle/>
+          <a:p>
+            <a:pPr algn="ctr"/>
+            <a:r>
+              <a:rPr lang="zh-TW" altLang="en-US" dirty="0"/>
+              <a:t>                                                                                                                   </a:t>
+            </a:r>
+          </a:p>
+        </p:txBody>
+      </p:sp>
+      <p:sp>
+        <p:nvSpPr>
+          <p:cNvPr id="12" name="箭號: 向右 11">
+            <a:extLst>
+              <a:ext uri="{FF2B5EF4-FFF2-40B4-BE49-F238E27FC236}">
+                <a16:creationId xmlns:a16="http://schemas.microsoft.com/office/drawing/2014/main" id="{633C0B5D-B9E6-FE46-C6F4-5BEC6F7C66D6}"/>
+              </a:ext>
+            </a:extLst>
+          </p:cNvPr>
+          <p:cNvSpPr/>
+          <p:nvPr/>
+        </p:nvSpPr>
+        <p:spPr>
+          <a:xfrm rot="5400000">
+            <a:off x="4449851" y="3389113"/>
+            <a:ext cx="134470" cy="136721"/>
+          </a:xfrm>
+          <a:prstGeom prst="rightArrow">
+            <a:avLst/>
+          </a:prstGeom>
+        </p:spPr>
+        <p:style>
+          <a:lnRef idx="2">
+            <a:schemeClr val="accent1">
+              <a:shade val="15000"/>
+            </a:schemeClr>
+          </a:lnRef>
+          <a:fillRef idx="1">
+            <a:schemeClr val="accent1"/>
+          </a:fillRef>
+          <a:effectRef idx="0">
+            <a:schemeClr val="accent1"/>
+          </a:effectRef>
+          <a:fontRef idx="minor">
+            <a:schemeClr val="lt1"/>
+          </a:fontRef>
+        </p:style>
+        <p:txBody>
+          <a:bodyPr rtlCol="0" anchor="ctr"/>
+          <a:lstStyle/>
+          <a:p>
+            <a:pPr algn="ctr"/>
+            <a:endParaRPr lang="zh-TW" altLang="en-US"/>
+          </a:p>
+        </p:txBody>
+      </p:sp>
+      <p:sp>
+        <p:nvSpPr>
+          <p:cNvPr id="13" name="文字方塊 12">
+            <a:extLst>
+              <a:ext uri="{FF2B5EF4-FFF2-40B4-BE49-F238E27FC236}">
+                <a16:creationId xmlns:a16="http://schemas.microsoft.com/office/drawing/2014/main" id="{950CE0D2-A799-6FBC-ACF4-7EC07D70D0D6}"/>
+              </a:ext>
+            </a:extLst>
+          </p:cNvPr>
+          <p:cNvSpPr txBox="1"/>
+          <p:nvPr/>
+        </p:nvSpPr>
+        <p:spPr>
+          <a:xfrm>
+            <a:off x="3998258" y="3559375"/>
+            <a:ext cx="2097742" cy="276999"/>
+          </a:xfrm>
+          <a:prstGeom prst="rect">
+            <a:avLst/>
+          </a:prstGeom>
+          <a:noFill/>
+        </p:spPr>
+        <p:txBody>
+          <a:bodyPr wrap="square" rtlCol="0">
+            <a:spAutoFit/>
+          </a:bodyPr>
+          <a:lstStyle/>
+          <a:p>
+            <a:r>
+              <a:rPr lang="en-US" altLang="zh-TW" sz="1200" b="1" dirty="0">
+                <a:solidFill>
+                  <a:srgbClr val="FF0000"/>
+                </a:solidFill>
+                <a:latin typeface="微軟正黑體" panose="020B0604030504040204" pitchFamily="34" charset="-120"/>
+                <a:ea typeface="微軟正黑體" panose="020B0604030504040204" pitchFamily="34" charset="-120"/>
+              </a:rPr>
+              <a:t>Overload (</a:t>
+            </a:r>
+            <a:r>
+              <a:rPr lang="zh-TW" altLang="en-US" sz="1200" b="1" dirty="0">
+                <a:solidFill>
+                  <a:srgbClr val="FF0000"/>
+                </a:solidFill>
+                <a:latin typeface="微軟正黑體" panose="020B0604030504040204" pitchFamily="34" charset="-120"/>
+                <a:ea typeface="微軟正黑體" panose="020B0604030504040204" pitchFamily="34" charset="-120"/>
+              </a:rPr>
+              <a:t>多載</a:t>
+            </a:r>
+            <a:r>
+              <a:rPr lang="en-US" altLang="zh-TW" sz="1200" b="1" dirty="0">
+                <a:solidFill>
+                  <a:srgbClr val="FF0000"/>
+                </a:solidFill>
+                <a:latin typeface="微軟正黑體" panose="020B0604030504040204" pitchFamily="34" charset="-120"/>
+                <a:ea typeface="微軟正黑體" panose="020B0604030504040204" pitchFamily="34" charset="-120"/>
+              </a:rPr>
+              <a:t>)</a:t>
+            </a:r>
+            <a:endParaRPr lang="zh-TW" altLang="en-US" sz="1200" b="1" dirty="0">
+              <a:solidFill>
+                <a:srgbClr val="FF0000"/>
+              </a:solidFill>
+              <a:latin typeface="微軟正黑體" panose="020B0604030504040204" pitchFamily="34" charset="-120"/>
+              <a:ea typeface="微軟正黑體" panose="020B0604030504040204" pitchFamily="34" charset="-120"/>
+            </a:endParaRPr>
+          </a:p>
+        </p:txBody>
+      </p:sp>
+    </p:spTree>
+    <p:extLst>
+      <p:ext uri="{BB962C8B-B14F-4D97-AF65-F5344CB8AC3E}">
+        <p14:creationId xmlns:p14="http://schemas.microsoft.com/office/powerpoint/2010/main" val="2610597942"/>
+      </p:ext>
+    </p:extLst>
+  </p:cSld>
+  <p:clrMapOvr>
+    <a:masterClrMapping/>
+  </p:clrMapOvr>
+</p:sld>
+</file>
+
+<file path=ppt/slides/slide9.xml><?xml version="1.0" encoding="utf-8"?>
+<p:sld xmlns:a="http://schemas.openxmlformats.org/drawingml/2006/main" xmlns:r="http://schemas.openxmlformats.org/officeDocument/2006/relationships" xmlns:p="http://schemas.openxmlformats.org/presentationml/2006/main">
+  <p:cSld>
+    <p:spTree>
+      <p:nvGrpSpPr>
+        <p:cNvPr id="1" name=""/>
+        <p:cNvGrpSpPr/>
+        <p:nvPr/>
+      </p:nvGrpSpPr>
+      <p:grpSpPr>
+        <a:xfrm>
+          <a:off x="0" y="0"/>
+          <a:ext cx="0" cy="0"/>
+          <a:chOff x="0" y="0"/>
+          <a:chExt cx="0" cy="0"/>
+        </a:xfrm>
+      </p:grpSpPr>
+      <p:sp>
+        <p:nvSpPr>
+          <p:cNvPr id="4" name="標題 3">
+            <a:extLst>
+              <a:ext uri="{FF2B5EF4-FFF2-40B4-BE49-F238E27FC236}">
+                <a16:creationId xmlns:a16="http://schemas.microsoft.com/office/drawing/2014/main" id="{45621FD2-EEFA-97ED-1C03-F25C9BA8E950}"/>
+              </a:ext>
+            </a:extLst>
+          </p:cNvPr>
+          <p:cNvSpPr>
+            <a:spLocks noGrp="1"/>
+          </p:cNvSpPr>
+          <p:nvPr>
+            <p:ph type="title"/>
+          </p:nvPr>
+        </p:nvSpPr>
+        <p:spPr/>
+        <p:txBody>
+          <a:bodyPr/>
+          <a:lstStyle/>
+          <a:p>
+            <a:r>
+              <a:rPr lang="zh-TW" altLang="en-US" dirty="0"/>
+              <a:t>學習分享</a:t>
+            </a:r>
+          </a:p>
+        </p:txBody>
+      </p:sp>
+      <p:sp>
+        <p:nvSpPr>
+          <p:cNvPr id="5" name="內容版面配置區 4">
+            <a:extLst>
+              <a:ext uri="{FF2B5EF4-FFF2-40B4-BE49-F238E27FC236}">
+                <a16:creationId xmlns:a16="http://schemas.microsoft.com/office/drawing/2014/main" id="{3DCDA10B-B3A3-A90E-00E7-254903F3975C}"/>
+              </a:ext>
+            </a:extLst>
+          </p:cNvPr>
+          <p:cNvSpPr>
+            <a:spLocks noGrp="1"/>
+          </p:cNvSpPr>
+          <p:nvPr>
+            <p:ph idx="1"/>
+          </p:nvPr>
+        </p:nvSpPr>
+        <p:spPr>
+          <a:xfrm>
+            <a:off x="537882" y="1845734"/>
+            <a:ext cx="6167717" cy="4023360"/>
+          </a:xfrm>
+        </p:spPr>
+        <p:txBody>
+          <a:bodyPr>
+            <a:normAutofit/>
+          </a:bodyPr>
+          <a:lstStyle/>
+          <a:p>
+            <a:pPr>
+              <a:buFont typeface="Wingdings" panose="05000000000000000000" pitchFamily="2" charset="2"/>
+              <a:buChar char="p"/>
+            </a:pPr>
+            <a:r>
+              <a:rPr lang="zh-TW" altLang="en-US" sz="1600" dirty="0">
+                <a:latin typeface="微軟正黑體" panose="020B0604030504040204" pitchFamily="34" charset="-120"/>
+                <a:ea typeface="微軟正黑體" panose="020B0604030504040204" pitchFamily="34" charset="-120"/>
+              </a:rPr>
+              <a:t>  將專有名詞本身的「字面意思」，與其「內涵意思」，盡可能結合在一起，才可以記得比較牢。</a:t>
+            </a:r>
+            <a:endParaRPr lang="en-US" altLang="zh-TW" sz="1600" dirty="0">
+              <a:latin typeface="微軟正黑體" panose="020B0604030504040204" pitchFamily="34" charset="-120"/>
+              <a:ea typeface="微軟正黑體" panose="020B0604030504040204" pitchFamily="34" charset="-120"/>
+            </a:endParaRPr>
+          </a:p>
+          <a:p>
+            <a:pPr marL="0" indent="0">
+              <a:buNone/>
+            </a:pPr>
+            <a:r>
+              <a:rPr lang="zh-TW" altLang="en-US" sz="1200" i="1" dirty="0">
+                <a:latin typeface="微軟正黑體" panose="020B0604030504040204" pitchFamily="34" charset="-120"/>
+                <a:ea typeface="微軟正黑體" panose="020B0604030504040204" pitchFamily="34" charset="-120"/>
+              </a:rPr>
+              <a:t>      </a:t>
+            </a:r>
+            <a:r>
+              <a:rPr lang="zh-TW" altLang="en-US" sz="1200" dirty="0">
+                <a:latin typeface="微軟正黑體" panose="020B0604030504040204" pitchFamily="34" charset="-120"/>
+                <a:ea typeface="微軟正黑體" panose="020B0604030504040204" pitchFamily="34" charset="-120"/>
+              </a:rPr>
+              <a:t> </a:t>
+            </a:r>
+            <a:r>
+              <a:rPr lang="zh-TW" altLang="en-US" sz="1400" u="sng" dirty="0">
+                <a:latin typeface="微軟正黑體" panose="020B0604030504040204" pitchFamily="34" charset="-120"/>
+                <a:ea typeface="微軟正黑體" panose="020B0604030504040204" pitchFamily="34" charset="-120"/>
+              </a:rPr>
+              <a:t>例如：</a:t>
+            </a:r>
+            <a:r>
+              <a:rPr lang="en-US" altLang="zh-TW" sz="1400" u="sng" dirty="0">
+                <a:latin typeface="微軟正黑體" panose="020B0604030504040204" pitchFamily="34" charset="-120"/>
+                <a:ea typeface="微軟正黑體" panose="020B0604030504040204" pitchFamily="34" charset="-120"/>
+              </a:rPr>
+              <a:t>static </a:t>
+            </a:r>
+            <a:r>
+              <a:rPr lang="zh-TW" altLang="en-US" sz="1400" u="sng" dirty="0">
+                <a:solidFill>
+                  <a:srgbClr val="FF0000"/>
+                </a:solidFill>
+                <a:latin typeface="微軟正黑體" panose="020B0604030504040204" pitchFamily="34" charset="-120"/>
+                <a:ea typeface="微軟正黑體" panose="020B0604030504040204" pitchFamily="34" charset="-120"/>
+              </a:rPr>
+              <a:t>靜態</a:t>
+            </a:r>
+            <a:r>
+              <a:rPr lang="zh-TW" altLang="en-US" sz="1400" u="sng" dirty="0">
+                <a:latin typeface="微軟正黑體" panose="020B0604030504040204" pitchFamily="34" charset="-120"/>
+                <a:ea typeface="微軟正黑體" panose="020B0604030504040204" pitchFamily="34" charset="-120"/>
+              </a:rPr>
+              <a:t>的，只會有</a:t>
+            </a:r>
+            <a:r>
+              <a:rPr lang="zh-TW" altLang="en-US" sz="1400" u="sng" dirty="0">
+                <a:solidFill>
+                  <a:srgbClr val="FF0000"/>
+                </a:solidFill>
+                <a:latin typeface="微軟正黑體" panose="020B0604030504040204" pitchFamily="34" charset="-120"/>
+                <a:ea typeface="微軟正黑體" panose="020B0604030504040204" pitchFamily="34" charset="-120"/>
+              </a:rPr>
+              <a:t>一個且固定的</a:t>
+            </a:r>
+            <a:r>
+              <a:rPr lang="zh-TW" altLang="en-US" sz="1400" u="sng" dirty="0">
+                <a:latin typeface="微軟正黑體" panose="020B0604030504040204" pitchFamily="34" charset="-120"/>
+                <a:ea typeface="微軟正黑體" panose="020B0604030504040204" pitchFamily="34" charset="-120"/>
+              </a:rPr>
+              <a:t>記憶體位置 </a:t>
+            </a:r>
+            <a:r>
+              <a:rPr lang="en-US" altLang="zh-TW" sz="1400" u="sng" dirty="0">
+                <a:latin typeface="微軟正黑體" panose="020B0604030504040204" pitchFamily="34" charset="-120"/>
+                <a:ea typeface="微軟正黑體" panose="020B0604030504040204" pitchFamily="34" charset="-120"/>
+              </a:rPr>
+              <a:t>(</a:t>
+            </a:r>
+            <a:r>
+              <a:rPr lang="zh-TW" altLang="en-US" sz="1400" u="sng" dirty="0">
+                <a:latin typeface="微軟正黑體" panose="020B0604030504040204" pitchFamily="34" charset="-120"/>
+                <a:ea typeface="微軟正黑體" panose="020B0604030504040204" pitchFamily="34" charset="-120"/>
+              </a:rPr>
+              <a:t>例如：</a:t>
+            </a:r>
+            <a:r>
+              <a:rPr lang="en-US" altLang="zh-TW" sz="1400" u="sng" dirty="0">
+                <a:solidFill>
+                  <a:srgbClr val="FF0000"/>
+                </a:solidFill>
+                <a:latin typeface="微軟正黑體" panose="020B0604030504040204" pitchFamily="34" charset="-120"/>
+                <a:ea typeface="微軟正黑體" panose="020B0604030504040204" pitchFamily="34" charset="-120"/>
+              </a:rPr>
+              <a:t>Circle </a:t>
+            </a:r>
+            <a:r>
+              <a:rPr lang="zh-TW" altLang="en-US" sz="1400" u="sng" dirty="0">
+                <a:solidFill>
+                  <a:srgbClr val="FF0000"/>
+                </a:solidFill>
+                <a:latin typeface="微軟正黑體" panose="020B0604030504040204" pitchFamily="34" charset="-120"/>
+                <a:ea typeface="微軟正黑體" panose="020B0604030504040204" pitchFamily="34" charset="-120"/>
+              </a:rPr>
+              <a:t>的 </a:t>
+            </a:r>
+            <a:r>
+              <a:rPr lang="en-US" altLang="zh-TW" sz="1400" u="sng" dirty="0">
+                <a:solidFill>
+                  <a:srgbClr val="FF0000"/>
+                </a:solidFill>
+                <a:latin typeface="微軟正黑體" panose="020B0604030504040204" pitchFamily="34" charset="-120"/>
+                <a:ea typeface="微軟正黑體" panose="020B0604030504040204" pitchFamily="34" charset="-120"/>
+              </a:rPr>
+              <a:t>PI</a:t>
+            </a:r>
+            <a:r>
+              <a:rPr lang="zh-TW" altLang="en-US" sz="1400" u="sng" dirty="0">
+                <a:solidFill>
+                  <a:srgbClr val="FF0000"/>
+                </a:solidFill>
+                <a:latin typeface="微軟正黑體" panose="020B0604030504040204" pitchFamily="34" charset="-120"/>
+                <a:ea typeface="微軟正黑體" panose="020B0604030504040204" pitchFamily="34" charset="-120"/>
+              </a:rPr>
+              <a:t> 變數</a:t>
+            </a:r>
+            <a:r>
+              <a:rPr lang="en-US" altLang="zh-TW" sz="1400" u="sng" dirty="0">
+                <a:latin typeface="微軟正黑體" panose="020B0604030504040204" pitchFamily="34" charset="-120"/>
+                <a:ea typeface="微軟正黑體" panose="020B0604030504040204" pitchFamily="34" charset="-120"/>
+              </a:rPr>
+              <a:t>)</a:t>
+            </a:r>
+            <a:r>
+              <a:rPr lang="zh-TW" altLang="en-US" sz="1400" u="sng" dirty="0">
+                <a:latin typeface="微軟正黑體" panose="020B0604030504040204" pitchFamily="34" charset="-120"/>
+                <a:ea typeface="微軟正黑體" panose="020B0604030504040204" pitchFamily="34" charset="-120"/>
+              </a:rPr>
+              <a:t>；相對物件成員變數為</a:t>
+            </a:r>
+            <a:r>
+              <a:rPr lang="zh-TW" altLang="en-US" sz="1400" u="sng" dirty="0">
+                <a:solidFill>
+                  <a:srgbClr val="0070C0"/>
+                </a:solidFill>
+                <a:latin typeface="微軟正黑體" panose="020B0604030504040204" pitchFamily="34" charset="-120"/>
+                <a:ea typeface="微軟正黑體" panose="020B0604030504040204" pitchFamily="34" charset="-120"/>
+              </a:rPr>
+              <a:t>動態</a:t>
+            </a:r>
+            <a:r>
+              <a:rPr lang="zh-TW" altLang="en-US" sz="1400" u="sng" dirty="0">
+                <a:latin typeface="微軟正黑體" panose="020B0604030504040204" pitchFamily="34" charset="-120"/>
+                <a:ea typeface="微軟正黑體" panose="020B0604030504040204" pitchFamily="34" charset="-120"/>
+              </a:rPr>
+              <a:t>的，因為會隨著物件建立時，有</a:t>
+            </a:r>
+            <a:r>
+              <a:rPr lang="zh-TW" altLang="en-US" sz="1400" u="sng" dirty="0">
+                <a:solidFill>
+                  <a:srgbClr val="0070C0"/>
+                </a:solidFill>
+                <a:latin typeface="微軟正黑體" panose="020B0604030504040204" pitchFamily="34" charset="-120"/>
+                <a:ea typeface="微軟正黑體" panose="020B0604030504040204" pitchFamily="34" charset="-120"/>
+              </a:rPr>
+              <a:t>多個且不同的</a:t>
+            </a:r>
+            <a:r>
+              <a:rPr lang="zh-TW" altLang="en-US" sz="1400" u="sng" dirty="0">
+                <a:latin typeface="微軟正黑體" panose="020B0604030504040204" pitchFamily="34" charset="-120"/>
+                <a:ea typeface="微軟正黑體" panose="020B0604030504040204" pitchFamily="34" charset="-120"/>
+              </a:rPr>
+              <a:t>記憶體位置 </a:t>
+            </a:r>
+            <a:r>
+              <a:rPr lang="en-US" altLang="zh-TW" sz="1400" u="sng" dirty="0">
+                <a:latin typeface="微軟正黑體" panose="020B0604030504040204" pitchFamily="34" charset="-120"/>
+                <a:ea typeface="微軟正黑體" panose="020B0604030504040204" pitchFamily="34" charset="-120"/>
+              </a:rPr>
+              <a:t>(</a:t>
+            </a:r>
+            <a:r>
+              <a:rPr lang="zh-TW" altLang="en-US" sz="1400" u="sng" dirty="0">
+                <a:latin typeface="微軟正黑體" panose="020B0604030504040204" pitchFamily="34" charset="-120"/>
+                <a:ea typeface="微軟正黑體" panose="020B0604030504040204" pitchFamily="34" charset="-120"/>
+              </a:rPr>
+              <a:t>例如：</a:t>
+            </a:r>
+            <a:r>
+              <a:rPr lang="en-US" altLang="zh-TW" sz="1400" u="sng" dirty="0">
+                <a:latin typeface="微軟正黑體" panose="020B0604030504040204" pitchFamily="34" charset="-120"/>
+                <a:ea typeface="微軟正黑體" panose="020B0604030504040204" pitchFamily="34" charset="-120"/>
+              </a:rPr>
+              <a:t>Circle </a:t>
+            </a:r>
+            <a:r>
+              <a:rPr lang="zh-TW" altLang="en-US" sz="1400" u="sng" dirty="0">
+                <a:latin typeface="微軟正黑體" panose="020B0604030504040204" pitchFamily="34" charset="-120"/>
+                <a:ea typeface="微軟正黑體" panose="020B0604030504040204" pitchFamily="34" charset="-120"/>
+              </a:rPr>
+              <a:t>的 </a:t>
+            </a:r>
+            <a:r>
+              <a:rPr lang="en-US" altLang="zh-TW" sz="1400" u="sng" dirty="0">
+                <a:latin typeface="微軟正黑體" panose="020B0604030504040204" pitchFamily="34" charset="-120"/>
+                <a:ea typeface="微軟正黑體" panose="020B0604030504040204" pitchFamily="34" charset="-120"/>
+              </a:rPr>
+              <a:t>radius)</a:t>
+            </a:r>
+            <a:r>
+              <a:rPr lang="zh-TW" altLang="en-US" sz="1400" u="sng" dirty="0">
+                <a:latin typeface="微軟正黑體" panose="020B0604030504040204" pitchFamily="34" charset="-120"/>
+                <a:ea typeface="微軟正黑體" panose="020B0604030504040204" pitchFamily="34" charset="-120"/>
+              </a:rPr>
+              <a:t>。</a:t>
+            </a:r>
+            <a:endParaRPr lang="en-US" altLang="zh-TW" sz="1400" u="sng" dirty="0">
+              <a:latin typeface="微軟正黑體" panose="020B0604030504040204" pitchFamily="34" charset="-120"/>
+              <a:ea typeface="微軟正黑體" panose="020B0604030504040204" pitchFamily="34" charset="-120"/>
+            </a:endParaRPr>
+          </a:p>
+          <a:p>
+            <a:pPr>
+              <a:buFont typeface="Wingdings" panose="05000000000000000000" pitchFamily="2" charset="2"/>
+              <a:buChar char="p"/>
+            </a:pPr>
+            <a:r>
+              <a:rPr lang="en-US" altLang="zh-TW" sz="1600" dirty="0">
+                <a:latin typeface="微軟正黑體" panose="020B0604030504040204" pitchFamily="34" charset="-120"/>
+                <a:ea typeface="微軟正黑體" panose="020B0604030504040204" pitchFamily="34" charset="-120"/>
+              </a:rPr>
+              <a:t>  </a:t>
+            </a:r>
+            <a:r>
+              <a:rPr lang="zh-TW" altLang="en-US" sz="1600" dirty="0">
+                <a:latin typeface="微軟正黑體" panose="020B0604030504040204" pitchFamily="34" charset="-120"/>
+                <a:ea typeface="微軟正黑體" panose="020B0604030504040204" pitchFamily="34" charset="-120"/>
+              </a:rPr>
+              <a:t>將「當前階段必須要會的」與「未來有遇到時再查」區分開來。</a:t>
+            </a:r>
+            <a:endParaRPr lang="en-US" altLang="zh-TW" sz="1600" dirty="0">
+              <a:latin typeface="微軟正黑體" panose="020B0604030504040204" pitchFamily="34" charset="-120"/>
+              <a:ea typeface="微軟正黑體" panose="020B0604030504040204" pitchFamily="34" charset="-120"/>
+            </a:endParaRPr>
+          </a:p>
+          <a:p>
+            <a:pPr marL="0" indent="0">
+              <a:buNone/>
+            </a:pPr>
+            <a:r>
+              <a:rPr lang="zh-TW" altLang="en-US" sz="1600" dirty="0">
+                <a:solidFill>
+                  <a:schemeClr val="tx1"/>
+                </a:solidFill>
+                <a:latin typeface="微軟正黑體" panose="020B0604030504040204" pitchFamily="34" charset="-120"/>
+                <a:ea typeface="微軟正黑體" panose="020B0604030504040204" pitchFamily="34" charset="-120"/>
+              </a:rPr>
+              <a:t>     </a:t>
+            </a:r>
+            <a:r>
+              <a:rPr lang="zh-TW" altLang="en-US" sz="1400" u="sng" dirty="0">
+                <a:solidFill>
+                  <a:schemeClr val="tx1"/>
+                </a:solidFill>
+                <a:latin typeface="微軟正黑體" panose="020B0604030504040204" pitchFamily="34" charset="-120"/>
+                <a:ea typeface="微軟正黑體" panose="020B0604030504040204" pitchFamily="34" charset="-120"/>
+              </a:rPr>
+              <a:t>例如：</a:t>
+            </a:r>
+            <a:r>
+              <a:rPr lang="en-US" altLang="zh-TW" sz="1400" u="sng" dirty="0">
+                <a:solidFill>
+                  <a:schemeClr val="tx1"/>
+                </a:solidFill>
+                <a:latin typeface="微軟正黑體" panose="020B0604030504040204" pitchFamily="34" charset="-120"/>
+                <a:ea typeface="微軟正黑體" panose="020B0604030504040204" pitchFamily="34" charset="-120"/>
+              </a:rPr>
+              <a:t>String</a:t>
+            </a:r>
+            <a:r>
+              <a:rPr lang="zh-TW" altLang="en-US" sz="1400" u="sng" dirty="0">
+                <a:solidFill>
+                  <a:schemeClr val="tx1"/>
+                </a:solidFill>
+                <a:latin typeface="微軟正黑體" panose="020B0604030504040204" pitchFamily="34" charset="-120"/>
+                <a:ea typeface="微軟正黑體" panose="020B0604030504040204" pitchFamily="34" charset="-120"/>
+              </a:rPr>
+              <a:t>、</a:t>
+            </a:r>
+            <a:r>
+              <a:rPr lang="en-US" altLang="zh-TW" sz="1400" u="sng" dirty="0">
+                <a:solidFill>
+                  <a:schemeClr val="tx1"/>
+                </a:solidFill>
+                <a:latin typeface="微軟正黑體" panose="020B0604030504040204" pitchFamily="34" charset="-120"/>
+                <a:ea typeface="微軟正黑體" panose="020B0604030504040204" pitchFamily="34" charset="-120"/>
+              </a:rPr>
+              <a:t>Math </a:t>
+            </a:r>
+            <a:r>
+              <a:rPr lang="zh-TW" altLang="en-US" sz="1400" u="sng" dirty="0">
+                <a:solidFill>
+                  <a:schemeClr val="tx1"/>
+                </a:solidFill>
+                <a:latin typeface="微軟正黑體" panose="020B0604030504040204" pitchFamily="34" charset="-120"/>
+                <a:ea typeface="微軟正黑體" panose="020B0604030504040204" pitchFamily="34" charset="-120"/>
+              </a:rPr>
+              <a:t>類別，有這麼多方法，改怎麼辦？目前，只要知道，有關字串處理、數學處理，往這兩個類別去查就可以了。但好巧不巧，我們不也記得一些方法了嗎？例如：</a:t>
+            </a:r>
+            <a:r>
+              <a:rPr lang="en-US" altLang="zh-TW" sz="1400" u="sng" dirty="0">
+                <a:solidFill>
+                  <a:schemeClr val="tx1"/>
+                </a:solidFill>
+                <a:latin typeface="微軟正黑體" panose="020B0604030504040204" pitchFamily="34" charset="-120"/>
+                <a:ea typeface="微軟正黑體" panose="020B0604030504040204" pitchFamily="34" charset="-120"/>
+              </a:rPr>
+              <a:t>String </a:t>
+            </a:r>
+            <a:r>
+              <a:rPr lang="zh-TW" altLang="en-US" sz="1400" u="sng" dirty="0">
+                <a:solidFill>
+                  <a:schemeClr val="tx1"/>
+                </a:solidFill>
+                <a:latin typeface="微軟正黑體" panose="020B0604030504040204" pitchFamily="34" charset="-120"/>
+                <a:ea typeface="微軟正黑體" panose="020B0604030504040204" pitchFamily="34" charset="-120"/>
+              </a:rPr>
+              <a:t>的 </a:t>
+            </a:r>
+            <a:r>
+              <a:rPr lang="en-US" altLang="zh-TW" sz="1400" u="sng" dirty="0" err="1">
+                <a:solidFill>
+                  <a:schemeClr val="tx1"/>
+                </a:solidFill>
+                <a:latin typeface="微軟正黑體" panose="020B0604030504040204" pitchFamily="34" charset="-120"/>
+                <a:ea typeface="微軟正黑體" panose="020B0604030504040204" pitchFamily="34" charset="-120"/>
+              </a:rPr>
+              <a:t>charAt</a:t>
+            </a:r>
+            <a:r>
+              <a:rPr lang="zh-TW" altLang="en-US" sz="1400" u="sng" dirty="0">
+                <a:solidFill>
+                  <a:schemeClr val="tx1"/>
+                </a:solidFill>
+                <a:latin typeface="微軟正黑體" panose="020B0604030504040204" pitchFamily="34" charset="-120"/>
+                <a:ea typeface="微軟正黑體" panose="020B0604030504040204" pitchFamily="34" charset="-120"/>
+              </a:rPr>
+              <a:t>、</a:t>
+            </a:r>
+            <a:r>
+              <a:rPr lang="en-US" altLang="zh-TW" sz="1400" u="sng" dirty="0">
+                <a:solidFill>
+                  <a:schemeClr val="tx1"/>
+                </a:solidFill>
+                <a:latin typeface="微軟正黑體" panose="020B0604030504040204" pitchFamily="34" charset="-120"/>
+                <a:ea typeface="微軟正黑體" panose="020B0604030504040204" pitchFamily="34" charset="-120"/>
+              </a:rPr>
+              <a:t>Math</a:t>
+            </a:r>
+            <a:r>
+              <a:rPr lang="zh-TW" altLang="en-US" sz="1400" u="sng" dirty="0">
+                <a:solidFill>
+                  <a:schemeClr val="tx1"/>
+                </a:solidFill>
+                <a:latin typeface="微軟正黑體" panose="020B0604030504040204" pitchFamily="34" charset="-120"/>
+                <a:ea typeface="微軟正黑體" panose="020B0604030504040204" pitchFamily="34" charset="-120"/>
+              </a:rPr>
+              <a:t> 的 </a:t>
+            </a:r>
+            <a:r>
+              <a:rPr lang="en-US" altLang="zh-TW" sz="1400" u="sng" dirty="0" err="1">
+                <a:solidFill>
+                  <a:schemeClr val="tx1"/>
+                </a:solidFill>
+                <a:latin typeface="微軟正黑體" panose="020B0604030504040204" pitchFamily="34" charset="-120"/>
+                <a:ea typeface="微軟正黑體" panose="020B0604030504040204" pitchFamily="34" charset="-120"/>
+              </a:rPr>
+              <a:t>sqr</a:t>
+            </a:r>
+            <a:r>
+              <a:rPr lang="zh-TW" altLang="en-US" sz="1400" u="sng" dirty="0">
+                <a:solidFill>
+                  <a:schemeClr val="tx1"/>
+                </a:solidFill>
+                <a:latin typeface="微軟正黑體" panose="020B0604030504040204" pitchFamily="34" charset="-120"/>
+                <a:ea typeface="微軟正黑體" panose="020B0604030504040204" pitchFamily="34" charset="-120"/>
+              </a:rPr>
+              <a:t>。</a:t>
+            </a:r>
+            <a:endParaRPr lang="en-US" altLang="zh-TW" sz="1400" u="sng" dirty="0">
+              <a:solidFill>
+                <a:schemeClr val="tx1"/>
+              </a:solidFill>
+              <a:latin typeface="微軟正黑體" panose="020B0604030504040204" pitchFamily="34" charset="-120"/>
+              <a:ea typeface="微軟正黑體" panose="020B0604030504040204" pitchFamily="34" charset="-120"/>
+            </a:endParaRPr>
+          </a:p>
+          <a:p>
+            <a:pPr>
+              <a:buFont typeface="Wingdings" panose="05000000000000000000" pitchFamily="2" charset="2"/>
+              <a:buChar char="p"/>
+            </a:pPr>
+            <a:r>
+              <a:rPr lang="zh-TW" altLang="en-US" sz="1600" dirty="0">
+                <a:latin typeface="微軟正黑體" panose="020B0604030504040204" pitchFamily="34" charset="-120"/>
+                <a:ea typeface="微軟正黑體" panose="020B0604030504040204" pitchFamily="34" charset="-120"/>
+              </a:rPr>
+              <a:t>  盡量以「目標導向」去學習技術，並且有理由說服自己</a:t>
+            </a:r>
+            <a:r>
+              <a:rPr lang="en-US" altLang="zh-TW" sz="1600" dirty="0">
+                <a:latin typeface="微軟正黑體" panose="020B0604030504040204" pitchFamily="34" charset="-120"/>
+                <a:ea typeface="微軟正黑體" panose="020B0604030504040204" pitchFamily="34" charset="-120"/>
+              </a:rPr>
+              <a:t>(</a:t>
+            </a:r>
+            <a:r>
+              <a:rPr lang="zh-TW" altLang="en-US" sz="1600" dirty="0">
+                <a:latin typeface="微軟正黑體" panose="020B0604030504040204" pitchFamily="34" charset="-120"/>
+                <a:ea typeface="微軟正黑體" panose="020B0604030504040204" pitchFamily="34" charset="-120"/>
+              </a:rPr>
+              <a:t>最好是自己實證過</a:t>
+            </a:r>
+            <a:r>
+              <a:rPr lang="en-US" altLang="zh-TW" sz="1600" dirty="0">
+                <a:latin typeface="微軟正黑體" panose="020B0604030504040204" pitchFamily="34" charset="-120"/>
+                <a:ea typeface="微軟正黑體" panose="020B0604030504040204" pitchFamily="34" charset="-120"/>
+              </a:rPr>
+              <a:t>)</a:t>
+            </a:r>
+            <a:r>
+              <a:rPr lang="zh-TW" altLang="en-US" sz="1600" dirty="0">
+                <a:latin typeface="微軟正黑體" panose="020B0604030504040204" pitchFamily="34" charset="-120"/>
+                <a:ea typeface="微軟正黑體" panose="020B0604030504040204" pitchFamily="34" charset="-120"/>
+              </a:rPr>
+              <a:t>。</a:t>
+            </a:r>
+            <a:endParaRPr lang="en-US" altLang="zh-TW" sz="1600" dirty="0">
+              <a:latin typeface="微軟正黑體" panose="020B0604030504040204" pitchFamily="34" charset="-120"/>
+              <a:ea typeface="微軟正黑體" panose="020B0604030504040204" pitchFamily="34" charset="-120"/>
+            </a:endParaRPr>
+          </a:p>
+          <a:p>
+            <a:pPr marL="0" indent="0">
+              <a:buNone/>
+            </a:pPr>
+            <a:r>
+              <a:rPr lang="zh-TW" altLang="en-US" sz="1600" dirty="0">
+                <a:latin typeface="微軟正黑體" panose="020B0604030504040204" pitchFamily="34" charset="-120"/>
+                <a:ea typeface="微軟正黑體" panose="020B0604030504040204" pitchFamily="34" charset="-120"/>
+              </a:rPr>
+              <a:t>      </a:t>
+            </a:r>
+            <a:r>
+              <a:rPr lang="zh-TW" altLang="en-US" sz="1400" u="sng" dirty="0">
+                <a:solidFill>
+                  <a:schemeClr val="tx1"/>
+                </a:solidFill>
+                <a:latin typeface="微軟正黑體" panose="020B0604030504040204" pitchFamily="34" charset="-120"/>
+                <a:ea typeface="微軟正黑體" panose="020B0604030504040204" pitchFamily="34" charset="-120"/>
+              </a:rPr>
+              <a:t>例如：</a:t>
+            </a:r>
+            <a:r>
+              <a:rPr lang="en-US" altLang="zh-TW" sz="1400" u="sng" dirty="0">
+                <a:solidFill>
+                  <a:schemeClr val="tx1"/>
+                </a:solidFill>
+                <a:latin typeface="微軟正黑體" panose="020B0604030504040204" pitchFamily="34" charset="-120"/>
+                <a:ea typeface="微軟正黑體" panose="020B0604030504040204" pitchFamily="34" charset="-120"/>
+              </a:rPr>
+              <a:t>StringBuilder </a:t>
+            </a:r>
+            <a:r>
+              <a:rPr lang="zh-TW" altLang="en-US" sz="1400" u="sng" dirty="0">
+                <a:solidFill>
+                  <a:schemeClr val="tx1"/>
+                </a:solidFill>
+                <a:latin typeface="微軟正黑體" panose="020B0604030504040204" pitchFamily="34" charset="-120"/>
+                <a:ea typeface="微軟正黑體" panose="020B0604030504040204" pitchFamily="34" charset="-120"/>
+              </a:rPr>
+              <a:t>對於現階段的我們，如果只是做字串相連，那麼你可以先用「</a:t>
+            </a:r>
+            <a:r>
+              <a:rPr lang="en-US" altLang="zh-TW" sz="1400" u="sng" dirty="0">
+                <a:solidFill>
+                  <a:schemeClr val="tx1"/>
+                </a:solidFill>
+                <a:latin typeface="微軟正黑體" panose="020B0604030504040204" pitchFamily="34" charset="-120"/>
+                <a:ea typeface="微軟正黑體" panose="020B0604030504040204" pitchFamily="34" charset="-120"/>
+              </a:rPr>
+              <a:t>+</a:t>
+            </a:r>
+            <a:r>
+              <a:rPr lang="zh-TW" altLang="en-US" sz="1400" u="sng" dirty="0">
+                <a:solidFill>
+                  <a:schemeClr val="tx1"/>
+                </a:solidFill>
+                <a:latin typeface="微軟正黑體" panose="020B0604030504040204" pitchFamily="34" charset="-120"/>
+                <a:ea typeface="微軟正黑體" panose="020B0604030504040204" pitchFamily="34" charset="-120"/>
+              </a:rPr>
+              <a:t>」代替即可。但是有一天你發現用「</a:t>
+            </a:r>
+            <a:r>
+              <a:rPr lang="en-US" altLang="zh-TW" sz="1400" u="sng" dirty="0">
+                <a:solidFill>
+                  <a:schemeClr val="tx1"/>
+                </a:solidFill>
+                <a:latin typeface="微軟正黑體" panose="020B0604030504040204" pitchFamily="34" charset="-120"/>
+                <a:ea typeface="微軟正黑體" panose="020B0604030504040204" pitchFamily="34" charset="-120"/>
+              </a:rPr>
+              <a:t>+</a:t>
+            </a:r>
+            <a:r>
+              <a:rPr lang="zh-TW" altLang="en-US" sz="1400" u="sng" dirty="0">
+                <a:solidFill>
+                  <a:schemeClr val="tx1"/>
+                </a:solidFill>
+                <a:latin typeface="微軟正黑體" panose="020B0604030504040204" pitchFamily="34" charset="-120"/>
+                <a:ea typeface="微軟正黑體" panose="020B0604030504040204" pitchFamily="34" charset="-120"/>
+              </a:rPr>
+              <a:t>」，會影響你的效能，那就用 </a:t>
+            </a:r>
+            <a:r>
+              <a:rPr lang="en-US" altLang="zh-TW" sz="1400" u="sng" dirty="0">
+                <a:solidFill>
+                  <a:schemeClr val="tx1"/>
+                </a:solidFill>
+                <a:latin typeface="微軟正黑體" panose="020B0604030504040204" pitchFamily="34" charset="-120"/>
+                <a:ea typeface="微軟正黑體" panose="020B0604030504040204" pitchFamily="34" charset="-120"/>
+              </a:rPr>
+              <a:t>StringBuilder</a:t>
+            </a:r>
+            <a:r>
+              <a:rPr lang="zh-TW" altLang="en-US" sz="1400" u="sng" dirty="0">
+                <a:solidFill>
+                  <a:schemeClr val="tx1"/>
+                </a:solidFill>
+                <a:latin typeface="微軟正黑體" panose="020B0604030504040204" pitchFamily="34" charset="-120"/>
+                <a:ea typeface="微軟正黑體" panose="020B0604030504040204" pitchFamily="34" charset="-120"/>
+              </a:rPr>
+              <a:t>。</a:t>
+            </a:r>
+            <a:endParaRPr lang="en-US" altLang="zh-TW" sz="1400" u="sng" dirty="0">
+              <a:solidFill>
+                <a:schemeClr val="tx1"/>
+              </a:solidFill>
+              <a:latin typeface="微軟正黑體" panose="020B0604030504040204" pitchFamily="34" charset="-120"/>
+              <a:ea typeface="微軟正黑體" panose="020B0604030504040204" pitchFamily="34" charset="-120"/>
+            </a:endParaRPr>
+          </a:p>
+          <a:p>
+            <a:pPr>
+              <a:buFont typeface="Wingdings" panose="05000000000000000000" pitchFamily="2" charset="2"/>
+              <a:buChar char="l"/>
+            </a:pPr>
+            <a:endParaRPr lang="zh-TW" altLang="en-US" dirty="0">
+              <a:latin typeface="微軟正黑體" panose="020B0604030504040204" pitchFamily="34" charset="-120"/>
+              <a:ea typeface="微軟正黑體" panose="020B0604030504040204" pitchFamily="34" charset="-120"/>
+            </a:endParaRPr>
+          </a:p>
+        </p:txBody>
+      </p:sp>
+      <p:pic>
+        <p:nvPicPr>
+          <p:cNvPr id="7" name="圖片 6">
+            <a:extLst>
+              <a:ext uri="{FF2B5EF4-FFF2-40B4-BE49-F238E27FC236}">
+                <a16:creationId xmlns:a16="http://schemas.microsoft.com/office/drawing/2014/main" id="{C77B7C2F-91A2-122B-3B26-8292CDD4F103}"/>
+              </a:ext>
+            </a:extLst>
+          </p:cNvPr>
+          <p:cNvPicPr>
+            <a:picLocks noChangeAspect="1"/>
+          </p:cNvPicPr>
+          <p:nvPr/>
+        </p:nvPicPr>
+        <p:blipFill>
+          <a:blip r:embed="rId2"/>
+          <a:stretch>
+            <a:fillRect/>
+          </a:stretch>
+        </p:blipFill>
+        <p:spPr>
+          <a:xfrm>
+            <a:off x="6829612" y="1845734"/>
+            <a:ext cx="4672105" cy="2347911"/>
+          </a:xfrm>
+          <a:prstGeom prst="rect">
+            <a:avLst/>
+          </a:prstGeom>
+        </p:spPr>
+      </p:pic>
+    </p:spTree>
+    <p:extLst>
+      <p:ext uri="{BB962C8B-B14F-4D97-AF65-F5344CB8AC3E}">
+        <p14:creationId xmlns:p14="http://schemas.microsoft.com/office/powerpoint/2010/main" val="2183560846"/>
       </p:ext>
     </p:extLst>
   </p:cSld>
